--- a/nagesen-presentation.pptx
+++ b/nagesen-presentation.pptx
@@ -110,6 +110,11 @@
       </a:defRPr>
     </a:lvl9pPr>
   </p:defaultTextStyle>
+  <p:extLst>
+    <p:ext uri="{EFAFB233-063F-42B5-8137-9DF3F51BA10A}">
+      <p15:sldGuideLst xmlns:p15="http://schemas.microsoft.com/office/powerpoint/2012/main"/>
+    </p:ext>
+  </p:extLst>
 </p:presentation>
 </file>
 
@@ -858,7 +863,7 @@
           <a:p>
             <a:fld id="{B32F7AD8-A70C-0446-BCE0-E7314274D9DC}" type="datetimeFigureOut">
               <a:rPr kumimoji="1" lang="ja-JP" altLang="en-US" smtClean="0"/>
-              <a:t>2019/3/15</a:t>
+              <a:t>2019/3/16</a:t>
             </a:fld>
             <a:endParaRPr kumimoji="1" lang="ja-JP" altLang="en-US"/>
           </a:p>
@@ -1146,7 +1151,7 @@
           <a:p>
             <a:fld id="{B32F7AD8-A70C-0446-BCE0-E7314274D9DC}" type="datetimeFigureOut">
               <a:rPr kumimoji="1" lang="ja-JP" altLang="en-US" smtClean="0"/>
-              <a:t>2019/3/15</a:t>
+              <a:t>2019/3/16</a:t>
             </a:fld>
             <a:endParaRPr kumimoji="1" lang="ja-JP" altLang="en-US"/>
           </a:p>
@@ -1534,7 +1539,7 @@
           <a:p>
             <a:fld id="{B32F7AD8-A70C-0446-BCE0-E7314274D9DC}" type="datetimeFigureOut">
               <a:rPr kumimoji="1" lang="ja-JP" altLang="en-US" smtClean="0"/>
-              <a:t>2019/3/15</a:t>
+              <a:t>2019/3/16</a:t>
             </a:fld>
             <a:endParaRPr kumimoji="1" lang="ja-JP" altLang="en-US"/>
           </a:p>
@@ -1904,7 +1909,7 @@
           <a:p>
             <a:fld id="{B32F7AD8-A70C-0446-BCE0-E7314274D9DC}" type="datetimeFigureOut">
               <a:rPr kumimoji="1" lang="ja-JP" altLang="en-US" smtClean="0"/>
-              <a:t>2019/3/15</a:t>
+              <a:t>2019/3/16</a:t>
             </a:fld>
             <a:endParaRPr kumimoji="1" lang="ja-JP" altLang="en-US"/>
           </a:p>
@@ -2292,7 +2297,7 @@
           <a:p>
             <a:fld id="{B32F7AD8-A70C-0446-BCE0-E7314274D9DC}" type="datetimeFigureOut">
               <a:rPr kumimoji="1" lang="ja-JP" altLang="en-US" smtClean="0"/>
-              <a:t>2019/3/15</a:t>
+              <a:t>2019/3/16</a:t>
             </a:fld>
             <a:endParaRPr kumimoji="1" lang="ja-JP" altLang="en-US"/>
           </a:p>
@@ -2759,7 +2764,7 @@
           <a:p>
             <a:fld id="{B32F7AD8-A70C-0446-BCE0-E7314274D9DC}" type="datetimeFigureOut">
               <a:rPr kumimoji="1" lang="ja-JP" altLang="en-US" smtClean="0"/>
-              <a:t>2019/3/15</a:t>
+              <a:t>2019/3/16</a:t>
             </a:fld>
             <a:endParaRPr kumimoji="1" lang="ja-JP" altLang="en-US"/>
           </a:p>
@@ -2937,7 +2942,7 @@
           <a:p>
             <a:fld id="{B32F7AD8-A70C-0446-BCE0-E7314274D9DC}" type="datetimeFigureOut">
               <a:rPr kumimoji="1" lang="ja-JP" altLang="en-US" smtClean="0"/>
-              <a:t>2019/3/15</a:t>
+              <a:t>2019/3/16</a:t>
             </a:fld>
             <a:endParaRPr kumimoji="1" lang="ja-JP" altLang="en-US"/>
           </a:p>
@@ -3125,7 +3130,7 @@
           <a:p>
             <a:fld id="{B32F7AD8-A70C-0446-BCE0-E7314274D9DC}" type="datetimeFigureOut">
               <a:rPr kumimoji="1" lang="ja-JP" altLang="en-US" smtClean="0"/>
-              <a:t>2019/3/15</a:t>
+              <a:t>2019/3/16</a:t>
             </a:fld>
             <a:endParaRPr kumimoji="1" lang="ja-JP" altLang="en-US"/>
           </a:p>
@@ -3303,7 +3308,7 @@
           <a:p>
             <a:fld id="{B32F7AD8-A70C-0446-BCE0-E7314274D9DC}" type="datetimeFigureOut">
               <a:rPr kumimoji="1" lang="ja-JP" altLang="en-US" smtClean="0"/>
-              <a:t>2019/3/15</a:t>
+              <a:t>2019/3/16</a:t>
             </a:fld>
             <a:endParaRPr kumimoji="1" lang="ja-JP" altLang="en-US"/>
           </a:p>
@@ -3587,7 +3592,7 @@
           <a:p>
             <a:fld id="{B32F7AD8-A70C-0446-BCE0-E7314274D9DC}" type="datetimeFigureOut">
               <a:rPr kumimoji="1" lang="ja-JP" altLang="en-US" smtClean="0"/>
-              <a:t>2019/3/15</a:t>
+              <a:t>2019/3/16</a:t>
             </a:fld>
             <a:endParaRPr kumimoji="1" lang="ja-JP" altLang="en-US"/>
           </a:p>
@@ -3835,7 +3840,7 @@
           <a:p>
             <a:fld id="{B32F7AD8-A70C-0446-BCE0-E7314274D9DC}" type="datetimeFigureOut">
               <a:rPr kumimoji="1" lang="ja-JP" altLang="en-US" smtClean="0"/>
-              <a:t>2019/3/15</a:t>
+              <a:t>2019/3/16</a:t>
             </a:fld>
             <a:endParaRPr kumimoji="1" lang="ja-JP" altLang="en-US"/>
           </a:p>
@@ -4299,7 +4304,7 @@
           <a:p>
             <a:fld id="{B32F7AD8-A70C-0446-BCE0-E7314274D9DC}" type="datetimeFigureOut">
               <a:rPr kumimoji="1" lang="ja-JP" altLang="en-US" smtClean="0"/>
-              <a:t>2019/3/15</a:t>
+              <a:t>2019/3/16</a:t>
             </a:fld>
             <a:endParaRPr kumimoji="1" lang="ja-JP" altLang="en-US"/>
           </a:p>
@@ -4422,7 +4427,7 @@
           <a:p>
             <a:fld id="{B32F7AD8-A70C-0446-BCE0-E7314274D9DC}" type="datetimeFigureOut">
               <a:rPr kumimoji="1" lang="ja-JP" altLang="en-US" smtClean="0"/>
-              <a:t>2019/3/15</a:t>
+              <a:t>2019/3/16</a:t>
             </a:fld>
             <a:endParaRPr kumimoji="1" lang="ja-JP" altLang="en-US"/>
           </a:p>
@@ -4517,7 +4522,7 @@
           <a:p>
             <a:fld id="{B32F7AD8-A70C-0446-BCE0-E7314274D9DC}" type="datetimeFigureOut">
               <a:rPr kumimoji="1" lang="ja-JP" altLang="en-US" smtClean="0"/>
-              <a:t>2019/3/15</a:t>
+              <a:t>2019/3/16</a:t>
             </a:fld>
             <a:endParaRPr kumimoji="1" lang="ja-JP" altLang="en-US"/>
           </a:p>
@@ -4817,7 +4822,7 @@
           <a:p>
             <a:fld id="{B32F7AD8-A70C-0446-BCE0-E7314274D9DC}" type="datetimeFigureOut">
               <a:rPr kumimoji="1" lang="ja-JP" altLang="en-US" smtClean="0"/>
-              <a:t>2019/3/15</a:t>
+              <a:t>2019/3/16</a:t>
             </a:fld>
             <a:endParaRPr kumimoji="1" lang="ja-JP" altLang="en-US"/>
           </a:p>
@@ -5159,7 +5164,7 @@
           <a:p>
             <a:fld id="{B32F7AD8-A70C-0446-BCE0-E7314274D9DC}" type="datetimeFigureOut">
               <a:rPr kumimoji="1" lang="ja-JP" altLang="en-US" smtClean="0"/>
-              <a:t>2019/3/15</a:t>
+              <a:t>2019/3/16</a:t>
             </a:fld>
             <a:endParaRPr kumimoji="1" lang="ja-JP" altLang="en-US"/>
           </a:p>
@@ -5869,7 +5874,7 @@
           <a:p>
             <a:fld id="{B32F7AD8-A70C-0446-BCE0-E7314274D9DC}" type="datetimeFigureOut">
               <a:rPr kumimoji="1" lang="ja-JP" altLang="en-US" smtClean="0"/>
-              <a:t>2019/3/15</a:t>
+              <a:t>2019/3/16</a:t>
             </a:fld>
             <a:endParaRPr kumimoji="1" lang="ja-JP" altLang="en-US"/>
           </a:p>
@@ -7217,7 +7222,7 @@
           <a:lstStyle/>
           <a:p>
             <a:r>
-              <a:rPr kumimoji="1" lang="ja-JP" altLang="en-US" sz="3200"/>
+              <a:rPr kumimoji="1" lang="ja-JP" altLang="en-US" sz="3200" dirty="0"/>
               <a:t>「</a:t>
             </a:r>
             <a:r>
@@ -7225,7 +7230,7 @@
               <a:t>Google</a:t>
             </a:r>
             <a:r>
-              <a:rPr lang="ja-JP" altLang="en-US" sz="3200"/>
+              <a:rPr lang="ja-JP" altLang="en-US" sz="3200" dirty="0"/>
               <a:t>アカウントでサインイン」というボタンをクリック</a:t>
             </a:r>
             <a:endParaRPr lang="en-US" altLang="ja-JP" sz="3200" dirty="0"/>
@@ -7256,7 +7261,7 @@
           </a:p>
           <a:p>
             <a:r>
-              <a:rPr lang="ja-JP" altLang="en-US" sz="3200"/>
+              <a:rPr lang="ja-JP" altLang="en-US" sz="3200" dirty="0"/>
               <a:t>アカウント情報の入力画面が表示されるのでサインイン</a:t>
             </a:r>
             <a:endParaRPr lang="en-US" altLang="ja-JP" sz="3200" dirty="0"/>
@@ -7479,7 +7484,7 @@
           <a:lstStyle/>
           <a:p>
             <a:r>
-              <a:rPr lang="ja-JP" altLang="en-US" sz="3200"/>
+              <a:rPr lang="ja-JP" altLang="en-US" sz="3200" dirty="0"/>
               <a:t>現在、</a:t>
             </a:r>
             <a:r>
@@ -7487,7 +7492,7 @@
               <a:t>YouTube</a:t>
             </a:r>
             <a:r>
-              <a:rPr lang="ja-JP" altLang="en-US" sz="3200"/>
+              <a:rPr lang="ja-JP" altLang="en-US" sz="3200" dirty="0"/>
               <a:t>のスーパーチャットの</a:t>
             </a:r>
             <a:r>
@@ -7495,7 +7500,7 @@
               <a:t>API</a:t>
             </a:r>
             <a:r>
-              <a:rPr lang="ja-JP" altLang="en-US" sz="3200"/>
+              <a:rPr lang="ja-JP" altLang="en-US" sz="3200" dirty="0"/>
               <a:t>が公開されていないため、実現することができず</a:t>
             </a:r>
             <a:r>
@@ -7508,16 +7513,8 @@
           </a:p>
           <a:p>
             <a:r>
-              <a:rPr lang="ja-JP" altLang="en-US" sz="3200"/>
-              <a:t>しかし、</a:t>
-            </a:r>
-            <a:r>
-              <a:rPr lang="en-US" altLang="ja-JP" sz="3200" dirty="0"/>
-              <a:t>API</a:t>
-            </a:r>
-            <a:r>
-              <a:rPr lang="ja-JP" altLang="en-US" sz="3200"/>
-              <a:t>が公開されれば完成する段階まで製作しております</a:t>
+              <a:rPr lang="ja-JP" altLang="en-US" sz="3200" dirty="0"/>
+              <a:t>せっかくの四月一日に間に合いません。</a:t>
             </a:r>
             <a:endParaRPr lang="en-US" altLang="ja-JP" sz="3200" dirty="0"/>
           </a:p>
@@ -7556,6 +7553,41 @@
           </a:prstGeom>
         </p:spPr>
       </p:pic>
+      <p:sp>
+        <p:nvSpPr>
+          <p:cNvPr id="4" name="テキスト ボックス 3">
+            <a:extLst>
+              <a:ext uri="{FF2B5EF4-FFF2-40B4-BE49-F238E27FC236}">
+                <a16:creationId xmlns:a16="http://schemas.microsoft.com/office/drawing/2014/main" id="{54C6E69D-5E3C-4FB7-B659-C364551FA8DF}"/>
+              </a:ext>
+            </a:extLst>
+          </p:cNvPr>
+          <p:cNvSpPr txBox="1"/>
+          <p:nvPr/>
+        </p:nvSpPr>
+        <p:spPr>
+          <a:xfrm>
+            <a:off x="3132814" y="2775005"/>
+            <a:ext cx="2266121" cy="369332"/>
+          </a:xfrm>
+          <a:prstGeom prst="rect">
+            <a:avLst/>
+          </a:prstGeom>
+          <a:noFill/>
+        </p:spPr>
+        <p:txBody>
+          <a:bodyPr wrap="square" rtlCol="0">
+            <a:spAutoFit/>
+          </a:bodyPr>
+          <a:lstStyle/>
+          <a:p>
+            <a:r>
+              <a:rPr kumimoji="1" lang="ja-JP" altLang="en-US" dirty="0"/>
+              <a:t>いたずら日和</a:t>
+            </a:r>
+          </a:p>
+        </p:txBody>
+      </p:sp>
     </p:spTree>
     <p:extLst>
       <p:ext uri="{BB962C8B-B14F-4D97-AF65-F5344CB8AC3E}">
